--- a/Slides/06. Tipos Inteiros.pptx
+++ b/Slides/06. Tipos Inteiros.pptx
@@ -173,8 +173,7 @@
 <file path=ppt/revisionInfo.xml><?xml version="1.0" encoding="utf-8"?>
 <p1510:revInfo xmlns:a="http://schemas.openxmlformats.org/drawingml/2006/main" xmlns:r="http://schemas.openxmlformats.org/officeDocument/2006/relationships" xmlns:p1510="http://schemas.microsoft.com/office/powerpoint/2015/10/main">
   <p1510:revLst>
-    <p1510:client id="{07C280EB-7E46-4AD3-BF0F-B6F1FD512C73}" v="14" dt="2021-03-16T04:46:33.077"/>
-    <p1510:client id="{563C2F45-F160-4E63-9ED1-C05560BAC9BE}" v="13" dt="2021-03-15T22:00:19.770"/>
+    <p1510:client id="{07C280EB-7E46-4AD3-BF0F-B6F1FD512C73}" v="34" dt="2021-03-19T06:00:50.131"/>
   </p1510:revLst>
 </p1510:revInfo>
 </file>
@@ -1515,8 +1514,8 @@
   </pc:docChgLst>
   <pc:docChgLst>
     <pc:chgData name="Judson Santiago" userId="ebb108da2f256286" providerId="LiveId" clId="{07C280EB-7E46-4AD3-BF0F-B6F1FD512C73}"/>
-    <pc:docChg chg="undo redo custSel addSld modSld">
-      <pc:chgData name="Judson Santiago" userId="ebb108da2f256286" providerId="LiveId" clId="{07C280EB-7E46-4AD3-BF0F-B6F1FD512C73}" dt="2021-03-16T05:05:49.268" v="1133" actId="2711"/>
+    <pc:docChg chg="undo redo custSel addSld modSld modMainMaster">
+      <pc:chgData name="Judson Santiago" userId="ebb108da2f256286" providerId="LiveId" clId="{07C280EB-7E46-4AD3-BF0F-B6F1FD512C73}" dt="2021-03-19T06:02:51.693" v="1160" actId="20577"/>
       <pc:docMkLst>
         <pc:docMk/>
       </pc:docMkLst>
@@ -1646,6 +1645,21 @@
             <ac:grpSpMk id="4" creationId="{D4D82E61-746D-4B79-9875-E7BE81609FA0}"/>
           </ac:grpSpMkLst>
         </pc:grpChg>
+      </pc:sldChg>
+      <pc:sldChg chg="modSp mod">
+        <pc:chgData name="Judson Santiago" userId="ebb108da2f256286" providerId="LiveId" clId="{07C280EB-7E46-4AD3-BF0F-B6F1FD512C73}" dt="2021-03-19T06:02:51.693" v="1160" actId="20577"/>
+        <pc:sldMkLst>
+          <pc:docMk/>
+          <pc:sldMk cId="0" sldId="260"/>
+        </pc:sldMkLst>
+        <pc:spChg chg="mod">
+          <ac:chgData name="Judson Santiago" userId="ebb108da2f256286" providerId="LiveId" clId="{07C280EB-7E46-4AD3-BF0F-B6F1FD512C73}" dt="2021-03-19T06:02:51.693" v="1160" actId="20577"/>
+          <ac:spMkLst>
+            <pc:docMk/>
+            <pc:sldMk cId="0" sldId="260"/>
+            <ac:spMk id="3" creationId="{00000000-0000-0000-0000-000000000000}"/>
+          </ac:spMkLst>
+        </pc:spChg>
       </pc:sldChg>
       <pc:sldChg chg="modSp mod">
         <pc:chgData name="Judson Santiago" userId="ebb108da2f256286" providerId="LiveId" clId="{07C280EB-7E46-4AD3-BF0F-B6F1FD512C73}" dt="2021-03-16T03:23:12.405" v="403" actId="20577"/>
@@ -2784,6 +2798,38 @@
           <pc:sldMk cId="957325771" sldId="318"/>
         </pc:sldMkLst>
       </pc:sldChg>
+      <pc:sldMasterChg chg="addSp delSp modSp mod setBg modSldLayout">
+        <pc:chgData name="Judson Santiago" userId="ebb108da2f256286" providerId="LiveId" clId="{07C280EB-7E46-4AD3-BF0F-B6F1FD512C73}" dt="2021-03-19T06:00:55.758" v="1155" actId="167"/>
+        <pc:sldMasterMkLst>
+          <pc:docMk/>
+          <pc:sldMasterMk cId="0" sldId="2147483660"/>
+        </pc:sldMasterMkLst>
+        <pc:picChg chg="add del mod ord">
+          <ac:chgData name="Judson Santiago" userId="ebb108da2f256286" providerId="LiveId" clId="{07C280EB-7E46-4AD3-BF0F-B6F1FD512C73}" dt="2021-03-19T06:00:46.697" v="1153"/>
+          <ac:picMkLst>
+            <pc:docMk/>
+            <pc:sldMasterMk cId="0" sldId="2147483660"/>
+            <ac:picMk id="12" creationId="{E9C7D0B2-89F3-4F13-A016-6D54339E6792}"/>
+          </ac:picMkLst>
+        </pc:picChg>
+        <pc:sldLayoutChg chg="addSp modSp mod">
+          <pc:chgData name="Judson Santiago" userId="ebb108da2f256286" providerId="LiveId" clId="{07C280EB-7E46-4AD3-BF0F-B6F1FD512C73}" dt="2021-03-19T06:00:55.758" v="1155" actId="167"/>
+          <pc:sldLayoutMkLst>
+            <pc:docMk/>
+            <pc:sldMasterMk cId="0" sldId="2147483660"/>
+            <pc:sldLayoutMk cId="0" sldId="2147483661"/>
+          </pc:sldLayoutMkLst>
+          <pc:picChg chg="add mod ord">
+            <ac:chgData name="Judson Santiago" userId="ebb108da2f256286" providerId="LiveId" clId="{07C280EB-7E46-4AD3-BF0F-B6F1FD512C73}" dt="2021-03-19T06:00:55.758" v="1155" actId="167"/>
+            <ac:picMkLst>
+              <pc:docMk/>
+              <pc:sldMasterMk cId="0" sldId="2147483660"/>
+              <pc:sldLayoutMk cId="0" sldId="2147483661"/>
+              <ac:picMk id="13" creationId="{7E83C45E-1271-4747-A674-2D07736E65B1}"/>
+            </ac:picMkLst>
+          </pc:picChg>
+        </pc:sldLayoutChg>
+      </pc:sldMasterChg>
     </pc:docChg>
   </pc:docChgLst>
 </pc:chgInfo>
@@ -2872,7 +2918,7 @@
             <a:fld id="{D6EE65A7-6DC5-47FE-BD2E-D7F63CEFE482}" type="datetimeFigureOut">
               <a:rPr lang="pt-BR" smtClean="0"/>
               <a:pPr/>
-              <a:t>16/03/2021</a:t>
+              <a:t>19/03/2021</a:t>
             </a:fld>
             <a:endParaRPr lang="pt-BR" dirty="0"/>
           </a:p>
@@ -5734,6 +5780,37 @@
           <a:chExt cx="0" cy="0"/>
         </a:xfrm>
       </p:grpSpPr>
+      <p:pic>
+        <p:nvPicPr>
+          <p:cNvPr id="13" name="Picture 3" descr="Rede de tecnologia iluminada em uma tela de fundo escura">
+            <a:extLst>
+              <a:ext uri="{FF2B5EF4-FFF2-40B4-BE49-F238E27FC236}">
+                <a16:creationId xmlns:a16="http://schemas.microsoft.com/office/drawing/2014/main" id="{7E83C45E-1271-4747-A674-2D07736E65B1}"/>
+              </a:ext>
+            </a:extLst>
+          </p:cNvPr>
+          <p:cNvPicPr>
+            <a:picLocks noChangeAspect="1"/>
+          </p:cNvPicPr>
+          <p:nvPr userDrawn="1"/>
+        </p:nvPicPr>
+        <p:blipFill rotWithShape="1">
+          <a:blip r:embed="rId2">
+            <a:alphaModFix amt="30000"/>
+          </a:blip>
+          <a:srcRect t="22329"/>
+          <a:stretch/>
+        </p:blipFill>
+        <p:spPr>
+          <a:xfrm flipH="1" flipV="1">
+            <a:off x="487680" y="0"/>
+            <a:ext cx="11704320" cy="6858000"/>
+          </a:xfrm>
+          <a:prstGeom prst="rect">
+            <a:avLst/>
+          </a:prstGeom>
+        </p:spPr>
+      </p:pic>
       <p:sp>
         <p:nvSpPr>
           <p:cNvPr id="28" name="Espaço Reservado para Data 27"/>
@@ -5752,7 +5829,7 @@
             <a:fld id="{ADA8F35F-83EA-49DA-A44D-6ED0C5E22B3A}" type="datetimeFigureOut">
               <a:rPr lang="pt-BR" smtClean="0"/>
               <a:pPr/>
-              <a:t>16/03/2021</a:t>
+              <a:t>19/03/2021</a:t>
             </a:fld>
             <a:endParaRPr lang="pt-BR" dirty="0"/>
           </a:p>
@@ -6307,7 +6384,7 @@
             <a:fld id="{ADA8F35F-83EA-49DA-A44D-6ED0C5E22B3A}" type="datetimeFigureOut">
               <a:rPr lang="pt-BR" smtClean="0"/>
               <a:pPr/>
-              <a:t>16/03/2021</a:t>
+              <a:t>19/03/2021</a:t>
             </a:fld>
             <a:endParaRPr lang="pt-BR" dirty="0"/>
           </a:p>
@@ -6484,7 +6561,7 @@
             <a:fld id="{ADA8F35F-83EA-49DA-A44D-6ED0C5E22B3A}" type="datetimeFigureOut">
               <a:rPr lang="pt-BR" smtClean="0"/>
               <a:pPr/>
-              <a:t>16/03/2021</a:t>
+              <a:t>19/03/2021</a:t>
             </a:fld>
             <a:endParaRPr lang="pt-BR" dirty="0"/>
           </a:p>
@@ -6651,7 +6728,7 @@
             <a:fld id="{ADA8F35F-83EA-49DA-A44D-6ED0C5E22B3A}" type="datetimeFigureOut">
               <a:rPr lang="pt-BR" smtClean="0"/>
               <a:pPr/>
-              <a:t>16/03/2021</a:t>
+              <a:t>19/03/2021</a:t>
             </a:fld>
             <a:endParaRPr lang="pt-BR" dirty="0"/>
           </a:p>
@@ -8100,7 +8177,7 @@
             <a:fld id="{ADA8F35F-83EA-49DA-A44D-6ED0C5E22B3A}" type="datetimeFigureOut">
               <a:rPr lang="pt-BR" smtClean="0"/>
               <a:pPr/>
-              <a:t>16/03/2021</a:t>
+              <a:t>19/03/2021</a:t>
             </a:fld>
             <a:endParaRPr lang="pt-BR" dirty="0"/>
           </a:p>
@@ -8682,7 +8759,7 @@
             <a:fld id="{ADA8F35F-83EA-49DA-A44D-6ED0C5E22B3A}" type="datetimeFigureOut">
               <a:rPr lang="pt-BR" smtClean="0"/>
               <a:pPr/>
-              <a:t>16/03/2021</a:t>
+              <a:t>19/03/2021</a:t>
             </a:fld>
             <a:endParaRPr lang="pt-BR" dirty="0"/>
           </a:p>
@@ -9113,7 +9190,7 @@
             <a:fld id="{ADA8F35F-83EA-49DA-A44D-6ED0C5E22B3A}" type="datetimeFigureOut">
               <a:rPr lang="pt-BR" smtClean="0"/>
               <a:pPr/>
-              <a:t>16/03/2021</a:t>
+              <a:t>19/03/2021</a:t>
             </a:fld>
             <a:endParaRPr lang="pt-BR" dirty="0"/>
           </a:p>
@@ -9652,7 +9729,7 @@
             <a:fld id="{ADA8F35F-83EA-49DA-A44D-6ED0C5E22B3A}" type="datetimeFigureOut">
               <a:rPr lang="pt-BR" smtClean="0"/>
               <a:pPr/>
-              <a:t>16/03/2021</a:t>
+              <a:t>19/03/2021</a:t>
             </a:fld>
             <a:endParaRPr lang="pt-BR" dirty="0"/>
           </a:p>
@@ -9744,7 +9821,7 @@
             <a:fld id="{ADA8F35F-83EA-49DA-A44D-6ED0C5E22B3A}" type="datetimeFigureOut">
               <a:rPr lang="pt-BR" smtClean="0"/>
               <a:pPr/>
-              <a:t>16/03/2021</a:t>
+              <a:t>19/03/2021</a:t>
             </a:fld>
             <a:endParaRPr lang="pt-BR" dirty="0"/>
           </a:p>
@@ -9994,7 +10071,7 @@
             <a:fld id="{ADA8F35F-83EA-49DA-A44D-6ED0C5E22B3A}" type="datetimeFigureOut">
               <a:rPr lang="pt-BR" smtClean="0"/>
               <a:pPr/>
-              <a:t>16/03/2021</a:t>
+              <a:t>19/03/2021</a:t>
             </a:fld>
             <a:endParaRPr lang="pt-BR" dirty="0"/>
           </a:p>
@@ -10709,7 +10786,7 @@
             <a:fld id="{ADA8F35F-83EA-49DA-A44D-6ED0C5E22B3A}" type="datetimeFigureOut">
               <a:rPr lang="pt-BR" smtClean="0"/>
               <a:pPr/>
-              <a:t>16/03/2021</a:t>
+              <a:t>19/03/2021</a:t>
             </a:fld>
             <a:endParaRPr lang="pt-BR" dirty="0"/>
           </a:p>
@@ -10780,9 +10857,23 @@
 <p:sldMaster xmlns:a="http://schemas.openxmlformats.org/drawingml/2006/main" xmlns:r="http://schemas.openxmlformats.org/officeDocument/2006/relationships" xmlns:p="http://schemas.openxmlformats.org/presentationml/2006/main">
   <p:cSld>
     <p:bg>
-      <p:bgRef idx="1002">
-        <a:schemeClr val="bg2"/>
-      </p:bgRef>
+      <p:bgPr>
+        <a:gradFill rotWithShape="1">
+          <a:gsLst>
+            <a:gs pos="50000">
+              <a:schemeClr val="bg1">
+                <a:shade val="90000"/>
+                <a:satMod val="375000"/>
+              </a:schemeClr>
+            </a:gs>
+            <a:gs pos="100000">
+              <a:srgbClr val="28415E"/>
+            </a:gs>
+          </a:gsLst>
+          <a:lin ang="5400000" scaled="0"/>
+        </a:gradFill>
+        <a:effectLst/>
+      </p:bgPr>
     </p:bg>
     <p:spTree>
       <p:nvGrpSpPr>
@@ -10976,7 +11067,7 @@
             <a:fld id="{ADA8F35F-83EA-49DA-A44D-6ED0C5E22B3A}" type="datetimeFigureOut">
               <a:rPr lang="pt-BR" smtClean="0"/>
               <a:pPr/>
-              <a:t>16/03/2021</a:t>
+              <a:t>19/03/2021</a:t>
             </a:fld>
             <a:endParaRPr lang="pt-BR" dirty="0"/>
           </a:p>
@@ -11927,6 +12018,10 @@
           </a:p>
           <a:p>
             <a:pPr lvl="1"/>
+            <a:endParaRPr lang="pt-BR" dirty="0"/>
+          </a:p>
+          <a:p>
+            <a:pPr lvl="1"/>
             <a:r>
               <a:rPr lang="pt-BR" dirty="0"/>
               <a:t>A linguagem C reconhece apenas os </a:t>
@@ -11994,7 +12089,7 @@
               <a:t> ou </a:t>
             </a:r>
             <a:r>
-              <a:rPr lang="pt-BR" dirty="0">
+              <a:rPr lang="pt-BR" dirty="0" err="1">
                 <a:solidFill>
                   <a:schemeClr val="accent3">
                     <a:lumMod val="75000"/>
@@ -12008,12 +12103,12 @@
               <a:rPr lang="pt-BR" dirty="0"/>
               <a:t> </a:t>
             </a:r>
-            <a:br>
+          </a:p>
+          <a:p>
+            <a:pPr lvl="2"/>
+            <a:r>
               <a:rPr lang="pt-BR" dirty="0"/>
-            </a:br>
-            <a:r>
-              <a:rPr lang="pt-BR" dirty="0"/>
-              <a:t>no lugar de </a:t>
+              <a:t>No lugar de </a:t>
             </a:r>
             <a:r>
               <a:rPr lang="pt-BR" dirty="0">
